--- a/C++资料包/graph/匈牙利算法.pptx
+++ b/C++资料包/graph/匈牙利算法.pptx
@@ -5,15 +5,16 @@
     <p:sldMasterId id="2147483648" r:id="rId1"/>
   </p:sldMasterIdLst>
   <p:notesMasterIdLst>
-    <p:notesMasterId r:id="rId6"/>
+    <p:notesMasterId r:id="rId7"/>
   </p:notesMasterIdLst>
   <p:handoutMasterIdLst>
-    <p:handoutMasterId r:id="rId7"/>
+    <p:handoutMasterId r:id="rId8"/>
   </p:handoutMasterIdLst>
   <p:sldIdLst>
     <p:sldId id="256" r:id="rId3"/>
     <p:sldId id="257" r:id="rId4"/>
     <p:sldId id="258" r:id="rId5"/>
+    <p:sldId id="259" r:id="rId6"/>
   </p:sldIdLst>
   <p:sldSz cx="12192000" cy="6858000"/>
   <p:notesSz cx="7103745" cy="10234295"/>
@@ -620,6 +621,96 @@
 </p:notesMaster>
 </file>
 
+<file path=ppt/notesSlides/notesSlide1.xml><?xml version="1.0" encoding="utf-8"?>
+<p:notes xmlns:a="http://schemas.openxmlformats.org/drawingml/2006/main" xmlns:r="http://schemas.openxmlformats.org/officeDocument/2006/relationships" xmlns:p="http://schemas.openxmlformats.org/presentationml/2006/main">
+  <p:cSld>
+    <p:spTree>
+      <p:nvGrpSpPr>
+        <p:cNvPr id="1" name=""/>
+        <p:cNvGrpSpPr/>
+        <p:nvPr/>
+      </p:nvGrpSpPr>
+      <p:grpSpPr/>
+      <p:sp>
+        <p:nvSpPr>
+          <p:cNvPr id="2" name="幻灯片图像占位符 1"/>
+          <p:cNvSpPr/>
+          <p:nvPr>
+            <p:ph type="sldImg" idx="2"/>
+          </p:nvPr>
+        </p:nvSpPr>
+        <p:spPr/>
+      </p:sp>
+      <p:sp>
+        <p:nvSpPr>
+          <p:cNvPr id="3" name="文本占位符 2"/>
+          <p:cNvSpPr/>
+          <p:nvPr>
+            <p:ph type="body" idx="3"/>
+          </p:nvPr>
+        </p:nvSpPr>
+        <p:spPr/>
+        <p:txBody>
+          <a:bodyPr/>
+          <a:p>
+            <a:r>
+              <a:rPr lang="" altLang="zh-CN"/>
+              <a:t>6</a:t>
+            </a:r>
+            <a:endParaRPr lang="" altLang="zh-CN"/>
+          </a:p>
+          <a:p>
+            <a:r>
+              <a:rPr lang="" altLang="zh-CN"/>
+              <a:t>1 1</a:t>
+            </a:r>
+            <a:endParaRPr lang="" altLang="zh-CN"/>
+          </a:p>
+          <a:p>
+            <a:r>
+              <a:rPr lang="" altLang="zh-CN"/>
+              <a:t>1 3</a:t>
+            </a:r>
+            <a:endParaRPr lang="" altLang="zh-CN"/>
+          </a:p>
+          <a:p>
+            <a:r>
+              <a:rPr lang="" altLang="zh-CN"/>
+              <a:t>2 1</a:t>
+            </a:r>
+            <a:endParaRPr lang="" altLang="zh-CN"/>
+          </a:p>
+          <a:p>
+            <a:r>
+              <a:rPr lang="" altLang="zh-CN"/>
+              <a:t>2 2</a:t>
+            </a:r>
+            <a:endParaRPr lang="" altLang="zh-CN"/>
+          </a:p>
+          <a:p>
+            <a:r>
+              <a:rPr lang="" altLang="zh-CN"/>
+              <a:t>3 1</a:t>
+            </a:r>
+            <a:endParaRPr lang="" altLang="zh-CN"/>
+          </a:p>
+          <a:p>
+            <a:r>
+              <a:rPr lang="" altLang="zh-CN"/>
+              <a:t>4 1</a:t>
+            </a:r>
+            <a:endParaRPr lang="" altLang="zh-CN"/>
+          </a:p>
+        </p:txBody>
+      </p:sp>
+    </p:spTree>
+  </p:cSld>
+  <p:clrMapOvr>
+    <a:masterClrMapping/>
+  </p:clrMapOvr>
+</p:notes>
+</file>
+
 <file path=ppt/slideLayouts/slideLayout1.xml><?xml version="1.0" encoding="utf-8"?>
 <p:sldLayout xmlns:a="http://schemas.openxmlformats.org/drawingml/2006/main" xmlns:r="http://schemas.openxmlformats.org/officeDocument/2006/relationships" xmlns:p="http://schemas.openxmlformats.org/presentationml/2006/main" type="title" preserve="1">
   <p:cSld name="标题幻灯片">
@@ -3184,7 +3275,7 @@
         <a:spcBef>
           <a:spcPts val="1000"/>
         </a:spcBef>
-        <a:buFont typeface="Arial" panose="020B0604020202020204" pitchFamily="34" charset="0"/>
+        <a:buFont typeface="Arial" panose="02080604020202020204" pitchFamily="34" charset="0"/>
         <a:buChar char="•"/>
         <a:defRPr sz="2400" kern="1200">
           <a:solidFill>
@@ -3202,7 +3293,7 @@
         <a:spcBef>
           <a:spcPts val="500"/>
         </a:spcBef>
-        <a:buFont typeface="Arial" panose="020B0604020202020204" pitchFamily="34" charset="0"/>
+        <a:buFont typeface="Arial" panose="02080604020202020204" pitchFamily="34" charset="0"/>
         <a:buChar char="•"/>
         <a:defRPr sz="2000" kern="1200">
           <a:solidFill>
@@ -3220,7 +3311,7 @@
         <a:spcBef>
           <a:spcPts val="500"/>
         </a:spcBef>
-        <a:buFont typeface="Arial" panose="020B0604020202020204" pitchFamily="34" charset="0"/>
+        <a:buFont typeface="Arial" panose="02080604020202020204" pitchFamily="34" charset="0"/>
         <a:buChar char="•"/>
         <a:defRPr sz="1800" kern="1200">
           <a:solidFill>
@@ -3238,7 +3329,7 @@
         <a:spcBef>
           <a:spcPts val="500"/>
         </a:spcBef>
-        <a:buFont typeface="Arial" panose="020B0604020202020204" pitchFamily="34" charset="0"/>
+        <a:buFont typeface="Arial" panose="02080604020202020204" pitchFamily="34" charset="0"/>
         <a:buChar char="•"/>
         <a:defRPr sz="1800" kern="1200">
           <a:solidFill>
@@ -3256,7 +3347,7 @@
         <a:spcBef>
           <a:spcPts val="500"/>
         </a:spcBef>
-        <a:buFont typeface="Arial" panose="020B0604020202020204" pitchFamily="34" charset="0"/>
+        <a:buFont typeface="Arial" panose="02080604020202020204" pitchFamily="34" charset="0"/>
         <a:buChar char="•"/>
         <a:defRPr sz="1800" kern="1200">
           <a:solidFill>
@@ -3274,7 +3365,7 @@
         <a:spcBef>
           <a:spcPts val="500"/>
         </a:spcBef>
-        <a:buFont typeface="Arial" panose="020B0604020202020204" pitchFamily="34" charset="0"/>
+        <a:buFont typeface="Arial" panose="02080604020202020204" pitchFamily="34" charset="0"/>
         <a:buChar char="•"/>
         <a:defRPr sz="1800" kern="1200">
           <a:solidFill>
@@ -3292,7 +3383,7 @@
         <a:spcBef>
           <a:spcPts val="500"/>
         </a:spcBef>
-        <a:buFont typeface="Arial" panose="020B0604020202020204" pitchFamily="34" charset="0"/>
+        <a:buFont typeface="Arial" panose="02080604020202020204" pitchFamily="34" charset="0"/>
         <a:buChar char="•"/>
         <a:defRPr sz="1800" kern="1200">
           <a:solidFill>
@@ -3310,7 +3401,7 @@
         <a:spcBef>
           <a:spcPts val="500"/>
         </a:spcBef>
-        <a:buFont typeface="Arial" panose="020B0604020202020204" pitchFamily="34" charset="0"/>
+        <a:buFont typeface="Arial" panose="02080604020202020204" pitchFamily="34" charset="0"/>
         <a:buChar char="•"/>
         <a:defRPr sz="1800" kern="1200">
           <a:solidFill>
@@ -3328,7 +3419,7 @@
         <a:spcBef>
           <a:spcPts val="500"/>
         </a:spcBef>
-        <a:buFont typeface="Arial" panose="020B0604020202020204" pitchFamily="34" charset="0"/>
+        <a:buFont typeface="Arial" panose="02080604020202020204" pitchFamily="34" charset="0"/>
         <a:buChar char="•"/>
         <a:defRPr sz="1800" kern="1200">
           <a:solidFill>
@@ -3464,10 +3555,10 @@
           <a:bodyPr/>
           <a:p>
             <a:r>
-              <a:rPr lang="" altLang="zh-CN"/>
+              <a:rPr lang="en-US" altLang="zh-CN"/>
               <a:t>二分图</a:t>
             </a:r>
-            <a:endParaRPr lang="" altLang="zh-CN"/>
+            <a:endParaRPr lang="en-US" altLang="zh-CN"/>
           </a:p>
         </p:txBody>
       </p:sp>
@@ -3486,10 +3577,10 @@
           <a:bodyPr/>
           <a:p>
             <a:r>
-              <a:rPr lang="" altLang="zh-CN" sz="3200"/>
+              <a:rPr lang="en-US" altLang="zh-CN" sz="3200"/>
               <a:t>匈牙利算法</a:t>
             </a:r>
-            <a:endParaRPr lang="" altLang="zh-CN" sz="3200"/>
+            <a:endParaRPr lang="en-US" altLang="zh-CN" sz="3200"/>
           </a:p>
         </p:txBody>
       </p:sp>
@@ -3526,10 +3617,10 @@
           <a:bodyPr/>
           <a:p>
             <a:r>
-              <a:rPr lang="" altLang="zh-CN"/>
+              <a:rPr lang="en-US" altLang="zh-CN"/>
               <a:t>二分图</a:t>
             </a:r>
-            <a:endParaRPr lang="" altLang="zh-CN"/>
+            <a:endParaRPr lang="en-US" altLang="zh-CN"/>
           </a:p>
         </p:txBody>
       </p:sp>
@@ -3663,6 +3754,68 @@
           <a:xfrm>
             <a:off x="5184140" y="2434590"/>
             <a:ext cx="5817235" cy="1757680"/>
+          </a:xfrm>
+          <a:prstGeom prst="rect">
+            <a:avLst/>
+          </a:prstGeom>
+        </p:spPr>
+      </p:pic>
+    </p:spTree>
+  </p:cSld>
+  <p:clrMapOvr>
+    <a:masterClrMapping/>
+  </p:clrMapOvr>
+</p:sld>
+</file>
+
+<file path=ppt/slides/slide4.xml><?xml version="1.0" encoding="utf-8"?>
+<p:sld xmlns:a="http://schemas.openxmlformats.org/drawingml/2006/main" xmlns:r="http://schemas.openxmlformats.org/officeDocument/2006/relationships" xmlns:p="http://schemas.openxmlformats.org/presentationml/2006/main">
+  <p:cSld>
+    <p:spTree>
+      <p:nvGrpSpPr>
+        <p:cNvPr id="1" name=""/>
+        <p:cNvGrpSpPr/>
+        <p:nvPr/>
+      </p:nvGrpSpPr>
+      <p:grpSpPr/>
+      <p:sp>
+        <p:nvSpPr>
+          <p:cNvPr id="5" name="标题 4"/>
+          <p:cNvSpPr>
+            <a:spLocks noGrp="1"/>
+          </p:cNvSpPr>
+          <p:nvPr>
+            <p:ph type="title"/>
+          </p:nvPr>
+        </p:nvSpPr>
+        <p:spPr/>
+        <p:txBody>
+          <a:bodyPr/>
+          <a:p>
+            <a:endParaRPr lang="zh-CN" altLang="en-US"/>
+          </a:p>
+        </p:txBody>
+      </p:sp>
+      <p:pic>
+        <p:nvPicPr>
+          <p:cNvPr id="9" name="内容占位符 8"/>
+          <p:cNvPicPr>
+            <a:picLocks noChangeAspect="1"/>
+          </p:cNvPicPr>
+          <p:nvPr>
+            <p:ph idx="1"/>
+          </p:nvPr>
+        </p:nvPicPr>
+        <p:blipFill>
+          <a:blip r:embed="rId1"/>
+          <a:stretch>
+            <a:fillRect/>
+          </a:stretch>
+        </p:blipFill>
+        <p:spPr>
+          <a:xfrm>
+            <a:off x="909320" y="1457960"/>
+            <a:ext cx="5769610" cy="4614545"/>
           </a:xfrm>
           <a:prstGeom prst="rect">
             <a:avLst/>
